--- a/HangmanWebGo.pptx
+++ b/HangmanWebGo.pptx
@@ -138,8 +138,40 @@
 </p:presentation>
 </file>
 
+<file path=ppt/revisionInfo.xml><?xml version="1.0" encoding="utf-8"?>
+<p1510:revInfo xmlns:a="http://schemas.openxmlformats.org/drawingml/2006/main" xmlns:r="http://schemas.openxmlformats.org/officeDocument/2006/relationships" xmlns:p1510="http://schemas.microsoft.com/office/powerpoint/2015/10/main">
+  <p1510:revLst>
+    <p1510:client id="{C2FD31D4-AB48-4A05-878F-DE0CF723C443}" v="1" dt="2022-11-29T09:23:47.247"/>
+  </p1510:revLst>
+</p1510:revInfo>
+</file>
+
 <file path=ppt/changesInfos/changesInfo1.xml><?xml version="1.0" encoding="utf-8"?>
 <pc:chgInfo xmlns:a="http://schemas.openxmlformats.org/drawingml/2006/main" xmlns:r="http://schemas.openxmlformats.org/officeDocument/2006/relationships" xmlns:ac="http://schemas.microsoft.com/office/drawing/2013/main/command" xmlns:pc="http://schemas.microsoft.com/office/powerpoint/2013/main/command">
+  <pc:docChgLst>
+    <pc:chgData name="valentin lamine" userId="425d26859fa2f4c4" providerId="LiveId" clId="{C2FD31D4-AB48-4A05-878F-DE0CF723C443}"/>
+    <pc:docChg chg="custSel modSld">
+      <pc:chgData name="valentin lamine" userId="425d26859fa2f4c4" providerId="LiveId" clId="{C2FD31D4-AB48-4A05-878F-DE0CF723C443}" dt="2022-11-29T09:23:48.137" v="0" actId="27636"/>
+      <pc:docMkLst>
+        <pc:docMk/>
+      </pc:docMkLst>
+      <pc:sldChg chg="modSp mod">
+        <pc:chgData name="valentin lamine" userId="425d26859fa2f4c4" providerId="LiveId" clId="{C2FD31D4-AB48-4A05-878F-DE0CF723C443}" dt="2022-11-29T09:23:48.137" v="0" actId="27636"/>
+        <pc:sldMkLst>
+          <pc:docMk/>
+          <pc:sldMk cId="3348192565" sldId="320"/>
+        </pc:sldMkLst>
+        <pc:spChg chg="mod">
+          <ac:chgData name="valentin lamine" userId="425d26859fa2f4c4" providerId="LiveId" clId="{C2FD31D4-AB48-4A05-878F-DE0CF723C443}" dt="2022-11-29T09:23:48.137" v="0" actId="27636"/>
+          <ac:spMkLst>
+            <pc:docMk/>
+            <pc:sldMk cId="3348192565" sldId="320"/>
+            <ac:spMk id="2" creationId="{1DB811AE-17B6-404A-999C-D03883B18FC8}"/>
+          </ac:spMkLst>
+        </pc:spChg>
+      </pc:sldChg>
+    </pc:docChg>
+  </pc:docChgLst>
   <pc:docChgLst>
     <pc:chgData name="PHILIPIERT Alan" userId="123d56f6-5b97-4f8c-bafd-e05bbad0b6eb" providerId="ADAL" clId="{9FF2A573-D5B5-49D9-92D7-14F3E76C5BEA}"/>
     <pc:docChg chg="modSld">
@@ -289,7 +321,7 @@
           <a:p>
             <a:fld id="{015ECB8A-B6EC-4053-B01A-136C1C08B3DC}" type="datetimeFigureOut">
               <a:rPr lang="fr-FR" smtClean="0"/>
-              <a:t>25/07/2022</a:t>
+              <a:t>29/11/2022</a:t>
             </a:fld>
             <a:endParaRPr lang="fr-FR"/>
           </a:p>
@@ -2775,7 +2807,7 @@
           <a:p>
             <a:fld id="{CD19776A-189B-4E5F-BE04-3FE33F079BC6}" type="datetimeFigureOut">
               <a:rPr lang="fr-FR" smtClean="0"/>
-              <a:t>25/07/2022</a:t>
+              <a:t>29/11/2022</a:t>
             </a:fld>
             <a:endParaRPr lang="fr-FR"/>
           </a:p>
@@ -2973,7 +3005,7 @@
           <a:p>
             <a:fld id="{CD19776A-189B-4E5F-BE04-3FE33F079BC6}" type="datetimeFigureOut">
               <a:rPr lang="fr-FR" smtClean="0"/>
-              <a:t>25/07/2022</a:t>
+              <a:t>29/11/2022</a:t>
             </a:fld>
             <a:endParaRPr lang="fr-FR"/>
           </a:p>
@@ -3181,7 +3213,7 @@
           <a:p>
             <a:fld id="{CD19776A-189B-4E5F-BE04-3FE33F079BC6}" type="datetimeFigureOut">
               <a:rPr lang="fr-FR" smtClean="0"/>
-              <a:t>25/07/2022</a:t>
+              <a:t>29/11/2022</a:t>
             </a:fld>
             <a:endParaRPr lang="fr-FR"/>
           </a:p>
@@ -3379,7 +3411,7 @@
           <a:p>
             <a:fld id="{CD19776A-189B-4E5F-BE04-3FE33F079BC6}" type="datetimeFigureOut">
               <a:rPr lang="fr-FR" smtClean="0"/>
-              <a:t>25/07/2022</a:t>
+              <a:t>29/11/2022</a:t>
             </a:fld>
             <a:endParaRPr lang="fr-FR"/>
           </a:p>
@@ -3654,7 +3686,7 @@
           <a:p>
             <a:fld id="{CD19776A-189B-4E5F-BE04-3FE33F079BC6}" type="datetimeFigureOut">
               <a:rPr lang="fr-FR" smtClean="0"/>
-              <a:t>25/07/2022</a:t>
+              <a:t>29/11/2022</a:t>
             </a:fld>
             <a:endParaRPr lang="fr-FR"/>
           </a:p>
@@ -3919,7 +3951,7 @@
           <a:p>
             <a:fld id="{CD19776A-189B-4E5F-BE04-3FE33F079BC6}" type="datetimeFigureOut">
               <a:rPr lang="fr-FR" smtClean="0"/>
-              <a:t>25/07/2022</a:t>
+              <a:t>29/11/2022</a:t>
             </a:fld>
             <a:endParaRPr lang="fr-FR"/>
           </a:p>
@@ -4331,7 +4363,7 @@
           <a:p>
             <a:fld id="{CD19776A-189B-4E5F-BE04-3FE33F079BC6}" type="datetimeFigureOut">
               <a:rPr lang="fr-FR" smtClean="0"/>
-              <a:t>25/07/2022</a:t>
+              <a:t>29/11/2022</a:t>
             </a:fld>
             <a:endParaRPr lang="fr-FR"/>
           </a:p>
@@ -4472,7 +4504,7 @@
           <a:p>
             <a:fld id="{CD19776A-189B-4E5F-BE04-3FE33F079BC6}" type="datetimeFigureOut">
               <a:rPr lang="fr-FR" smtClean="0"/>
-              <a:t>25/07/2022</a:t>
+              <a:t>29/11/2022</a:t>
             </a:fld>
             <a:endParaRPr lang="fr-FR"/>
           </a:p>
@@ -4585,7 +4617,7 @@
           <a:p>
             <a:fld id="{CD19776A-189B-4E5F-BE04-3FE33F079BC6}" type="datetimeFigureOut">
               <a:rPr lang="fr-FR" smtClean="0"/>
-              <a:t>25/07/2022</a:t>
+              <a:t>29/11/2022</a:t>
             </a:fld>
             <a:endParaRPr lang="fr-FR"/>
           </a:p>
@@ -4896,7 +4928,7 @@
           <a:p>
             <a:fld id="{CD19776A-189B-4E5F-BE04-3FE33F079BC6}" type="datetimeFigureOut">
               <a:rPr lang="fr-FR" smtClean="0"/>
-              <a:t>25/07/2022</a:t>
+              <a:t>29/11/2022</a:t>
             </a:fld>
             <a:endParaRPr lang="fr-FR"/>
           </a:p>
@@ -5184,7 +5216,7 @@
           <a:p>
             <a:fld id="{CD19776A-189B-4E5F-BE04-3FE33F079BC6}" type="datetimeFigureOut">
               <a:rPr lang="fr-FR" smtClean="0"/>
-              <a:t>25/07/2022</a:t>
+              <a:t>29/11/2022</a:t>
             </a:fld>
             <a:endParaRPr lang="fr-FR"/>
           </a:p>
@@ -5425,7 +5457,7 @@
           <a:p>
             <a:fld id="{CD19776A-189B-4E5F-BE04-3FE33F079BC6}" type="datetimeFigureOut">
               <a:rPr lang="fr-FR" smtClean="0"/>
-              <a:t>25/07/2022</a:t>
+              <a:t>29/11/2022</a:t>
             </a:fld>
             <a:endParaRPr lang="fr-FR"/>
           </a:p>
@@ -6855,7 +6887,7 @@
         <p:spPr/>
         <p:txBody>
           <a:bodyPr>
-            <a:normAutofit fontScale="90000"/>
+            <a:normAutofit/>
           </a:bodyPr>
           <a:lstStyle/>
           <a:p>
@@ -23860,18 +23892,18 @@
 </file>
 
 <file path=customXml/item1.xml><?xml version="1.0" encoding="utf-8"?>
-<p:properties xmlns:p="http://schemas.microsoft.com/office/2006/metadata/properties" xmlns:xsi="http://www.w3.org/2001/XMLSchema-instance" xmlns:pc="http://schemas.microsoft.com/office/infopath/2007/PartnerControls">
-  <documentManagement/>
-</p:properties>
-</file>
-
-<file path=customXml/item2.xml><?xml version="1.0" encoding="utf-8"?>
 <?mso-contentType ?>
 <FormTemplates xmlns="http://schemas.microsoft.com/sharepoint/v3/contenttype/forms">
   <Display>DocumentLibraryForm</Display>
   <Edit>DocumentLibraryForm</Edit>
   <New>DocumentLibraryForm</New>
 </FormTemplates>
+</file>
+
+<file path=customXml/item2.xml><?xml version="1.0" encoding="utf-8"?>
+<p:properties xmlns:p="http://schemas.microsoft.com/office/2006/metadata/properties" xmlns:xsi="http://www.w3.org/2001/XMLSchema-instance" xmlns:pc="http://schemas.microsoft.com/office/infopath/2007/PartnerControls">
+  <documentManagement/>
+</p:properties>
 </file>
 
 <file path=customXml/item3.xml><?xml version="1.0" encoding="utf-8"?>
@@ -24007,6 +24039,14 @@
 </file>
 
 <file path=customXml/itemProps1.xml><?xml version="1.0" encoding="utf-8"?>
+<ds:datastoreItem xmlns:ds="http://schemas.openxmlformats.org/officeDocument/2006/customXml" ds:itemID="{577B110D-831B-41F6-B666-86E857BBC230}">
+  <ds:schemaRefs>
+    <ds:schemaRef ds:uri="http://schemas.microsoft.com/sharepoint/v3/contenttype/forms"/>
+  </ds:schemaRefs>
+</ds:datastoreItem>
+</file>
+
+<file path=customXml/itemProps2.xml><?xml version="1.0" encoding="utf-8"?>
 <ds:datastoreItem xmlns:ds="http://schemas.openxmlformats.org/officeDocument/2006/customXml" ds:itemID="{AA7144A8-9C68-4C42-8C4D-B1E41C8647DC}">
   <ds:schemaRefs>
     <ds:schemaRef ds:uri="http://schemas.microsoft.com/office/2006/metadata/properties"/>
@@ -24023,14 +24063,20 @@
 </ds:datastoreItem>
 </file>
 
-<file path=customXml/itemProps2.xml><?xml version="1.0" encoding="utf-8"?>
-<ds:datastoreItem xmlns:ds="http://schemas.openxmlformats.org/officeDocument/2006/customXml" ds:itemID="{577B110D-831B-41F6-B666-86E857BBC230}">
+<file path=customXml/itemProps3.xml><?xml version="1.0" encoding="utf-8"?>
+<ds:datastoreItem xmlns:ds="http://schemas.openxmlformats.org/officeDocument/2006/customXml" ds:itemID="{0897E577-75D5-488F-A0A8-AD68043B0C88}">
   <ds:schemaRefs>
-    <ds:schemaRef ds:uri="http://schemas.microsoft.com/sharepoint/v3/contenttype/forms"/>
+    <ds:schemaRef ds:uri="http://schemas.microsoft.com/office/2006/metadata/contentType"/>
+    <ds:schemaRef ds:uri="http://schemas.microsoft.com/office/2006/metadata/properties/metaAttributes"/>
+    <ds:schemaRef ds:uri="http://www.w3.org/2001/XMLSchema"/>
+    <ds:schemaRef ds:uri="http://schemas.microsoft.com/office/2006/metadata/properties"/>
+    <ds:schemaRef ds:uri="b10c7f85-4f49-4ee4-86c9-cb56b3cb19ff"/>
+    <ds:schemaRef ds:uri="http://schemas.microsoft.com/office/2006/documentManagement/types"/>
+    <ds:schemaRef ds:uri="http://schemas.microsoft.com/office/infopath/2007/PartnerControls"/>
+    <ds:schemaRef ds:uri="http://schemas.openxmlformats.org/package/2006/metadata/core-properties"/>
+    <ds:schemaRef ds:uri="http://purl.org/dc/elements/1.1/"/>
+    <ds:schemaRef ds:uri="http://purl.org/dc/terms/"/>
+    <ds:schemaRef ds:uri="http://schemas.microsoft.com/internal/obd"/>
   </ds:schemaRefs>
 </ds:datastoreItem>
-</file>
-
-<file path=customXml/itemProps3.xml><?xml version="1.0" encoding="utf-8"?>
-<ds:datastoreItem xmlns:ds="http://schemas.openxmlformats.org/officeDocument/2006/customXml" ds:itemID="{0897E577-75D5-488F-A0A8-AD68043B0C88}"/>
 </file>